--- a/sprint-presentations/1105_WebApp_presentation.pptx
+++ b/sprint-presentations/1105_WebApp_presentation.pptx
@@ -5,7 +5,7 @@
     <p:sldMasterId id="2147483659" r:id="rId1"/>
   </p:sldMasterIdLst>
   <p:notesMasterIdLst>
-    <p:notesMasterId r:id="rId14"/>
+    <p:notesMasterId r:id="rId15"/>
   </p:notesMasterIdLst>
   <p:sldIdLst>
     <p:sldId id="256" r:id="rId2"/>
@@ -19,28 +19,33 @@
     <p:sldId id="284" r:id="rId10"/>
     <p:sldId id="259" r:id="rId11"/>
     <p:sldId id="285" r:id="rId12"/>
-    <p:sldId id="279" r:id="rId13"/>
+    <p:sldId id="289" r:id="rId13"/>
+    <p:sldId id="279" r:id="rId14"/>
   </p:sldIdLst>
   <p:sldSz cx="9144000" cy="5143500" type="screen16x9"/>
   <p:notesSz cx="6858000" cy="9144000"/>
   <p:embeddedFontLst>
     <p:embeddedFont>
       <p:font typeface="宋体" panose="02010600030101010101" pitchFamily="2" charset="-122"/>
-      <p:regular r:id="rId15"/>
+      <p:regular r:id="rId16"/>
+    </p:embeddedFont>
+    <p:embeddedFont>
+      <p:font typeface="Lato" panose="020F0502020204030203" pitchFamily="34" charset="0"/>
+      <p:regular r:id="rId17"/>
     </p:embeddedFont>
     <p:embeddedFont>
       <p:font typeface="Lato Hairline" panose="020B0604020202020204" charset="0"/>
-      <p:regular r:id="rId16"/>
-      <p:bold r:id="rId17"/>
-      <p:italic r:id="rId18"/>
-      <p:boldItalic r:id="rId19"/>
+      <p:regular r:id="rId18"/>
+      <p:bold r:id="rId19"/>
+      <p:italic r:id="rId20"/>
+      <p:boldItalic r:id="rId21"/>
     </p:embeddedFont>
     <p:embeddedFont>
       <p:font typeface="Lato Light" panose="020B0604020202020204" charset="0"/>
-      <p:regular r:id="rId20"/>
-      <p:bold r:id="rId21"/>
-      <p:italic r:id="rId22"/>
-      <p:boldItalic r:id="rId23"/>
+      <p:regular r:id="rId22"/>
+      <p:bold r:id="rId23"/>
+      <p:italic r:id="rId24"/>
+      <p:boldItalic r:id="rId25"/>
     </p:embeddedFont>
   </p:embeddedFontLst>
   <p:defaultTextStyle>
@@ -272,6 +277,11 @@
       </a:defRPr>
     </a:lvl9pPr>
   </p:defaultTextStyle>
+  <p:extLst>
+    <p:ext uri="{EFAFB233-063F-42B5-8137-9DF3F51BA10A}">
+      <p15:sldGuideLst xmlns:p15="http://schemas.microsoft.com/office/powerpoint/2012/main"/>
+    </p:ext>
+  </p:extLst>
 </p:presentation>
 </file>
 
@@ -7027,8 +7037,23 @@
                 </a:solidFill>
                 <a:latin typeface="Lato Light" panose="020B0604020202020204" charset="0"/>
               </a:rPr>
-              <a:t>View past rooms</a:t>
+              <a:t>Vote for </a:t>
             </a:r>
+            <a:r>
+              <a:rPr lang="en-US">
+                <a:solidFill>
+                  <a:schemeClr val="bg1"/>
+                </a:solidFill>
+                <a:latin typeface="Lato Light" panose="020B0604020202020204" charset="0"/>
+              </a:rPr>
+              <a:t>the Playlist</a:t>
+            </a:r>
+            <a:endParaRPr lang="en-US" dirty="0">
+              <a:solidFill>
+                <a:schemeClr val="bg1"/>
+              </a:solidFill>
+              <a:latin typeface="Lato Light" panose="020B0604020202020204" charset="0"/>
+            </a:endParaRPr>
           </a:p>
         </p:txBody>
       </p:sp>
@@ -7095,6 +7120,70 @@
           </a:p>
         </p:txBody>
       </p:sp>
+      <p:sp>
+        <p:nvSpPr>
+          <p:cNvPr id="13" name="矩形: 对角圆角 12">
+            <a:extLst>
+              <a:ext uri="{FF2B5EF4-FFF2-40B4-BE49-F238E27FC236}">
+                <a16:creationId xmlns:a16="http://schemas.microsoft.com/office/drawing/2014/main" id="{FEB3B199-3DEB-41A0-AC2B-4B1740F72950}"/>
+              </a:ext>
+            </a:extLst>
+          </p:cNvPr>
+          <p:cNvSpPr/>
+          <p:nvPr/>
+        </p:nvSpPr>
+        <p:spPr>
+          <a:xfrm>
+            <a:off x="2218159" y="4294467"/>
+            <a:ext cx="1844702" cy="693516"/>
+          </a:xfrm>
+          <a:prstGeom prst="round2DiagRect">
+            <a:avLst/>
+          </a:prstGeom>
+          <a:solidFill>
+            <a:srgbClr val="1598FA"/>
+          </a:solidFill>
+          <a:ln w="38100">
+            <a:solidFill>
+              <a:schemeClr val="accent1">
+                <a:lumMod val="75000"/>
+              </a:schemeClr>
+            </a:solidFill>
+          </a:ln>
+        </p:spPr>
+        <p:style>
+          <a:lnRef idx="2">
+            <a:schemeClr val="accent1">
+              <a:shade val="50000"/>
+            </a:schemeClr>
+          </a:lnRef>
+          <a:fillRef idx="1">
+            <a:schemeClr val="accent1"/>
+          </a:fillRef>
+          <a:effectRef idx="0">
+            <a:schemeClr val="accent1"/>
+          </a:effectRef>
+          <a:fontRef idx="minor">
+            <a:schemeClr val="lt1"/>
+          </a:fontRef>
+        </p:style>
+        <p:txBody>
+          <a:bodyPr rtlCol="0" anchor="ctr"/>
+          <a:lstStyle/>
+          <a:p>
+            <a:pPr algn="ctr"/>
+            <a:r>
+              <a:rPr lang="en-US" dirty="0">
+                <a:solidFill>
+                  <a:schemeClr val="bg1"/>
+                </a:solidFill>
+                <a:latin typeface="Lato Light" panose="020B0604020202020204" charset="0"/>
+              </a:rPr>
+              <a:t>Play the Playlist in  order</a:t>
+            </a:r>
+          </a:p>
+        </p:txBody>
+      </p:sp>
     </p:spTree>
     <p:extLst>
       <p:ext uri="{BB962C8B-B14F-4D97-AF65-F5344CB8AC3E}">
@@ -7109,6 +7198,233 @@
 </file>
 
 <file path=ppt/slides/slide12.xml><?xml version="1.0" encoding="utf-8"?>
+<p:sld xmlns:a="http://schemas.openxmlformats.org/drawingml/2006/main" xmlns:r="http://schemas.openxmlformats.org/officeDocument/2006/relationships" xmlns:p="http://schemas.openxmlformats.org/presentationml/2006/main">
+  <p:cSld>
+    <p:spTree>
+      <p:nvGrpSpPr>
+        <p:cNvPr id="1" name=""/>
+        <p:cNvGrpSpPr/>
+        <p:nvPr/>
+      </p:nvGrpSpPr>
+      <p:grpSpPr>
+        <a:xfrm>
+          <a:off x="0" y="0"/>
+          <a:ext cx="0" cy="0"/>
+          <a:chOff x="0" y="0"/>
+          <a:chExt cx="0" cy="0"/>
+        </a:xfrm>
+      </p:grpSpPr>
+      <p:sp>
+        <p:nvSpPr>
+          <p:cNvPr id="3" name="标题 2">
+            <a:extLst>
+              <a:ext uri="{FF2B5EF4-FFF2-40B4-BE49-F238E27FC236}">
+                <a16:creationId xmlns:a16="http://schemas.microsoft.com/office/drawing/2014/main" id="{6C173142-54D2-47A3-B4D7-9088B061DE35}"/>
+              </a:ext>
+            </a:extLst>
+          </p:cNvPr>
+          <p:cNvSpPr>
+            <a:spLocks noGrp="1"/>
+          </p:cNvSpPr>
+          <p:nvPr>
+            <p:ph type="title"/>
+          </p:nvPr>
+        </p:nvSpPr>
+        <p:spPr>
+          <a:xfrm>
+            <a:off x="487680" y="2143050"/>
+            <a:ext cx="5511300" cy="857400"/>
+          </a:xfrm>
+        </p:spPr>
+        <p:txBody>
+          <a:bodyPr/>
+          <a:lstStyle/>
+          <a:p>
+            <a:r>
+              <a:rPr lang="en-US" sz="2800" b="1" dirty="0"/>
+              <a:t>Summary: </a:t>
+            </a:r>
+            <a:br>
+              <a:rPr lang="en-US" sz="2800" dirty="0"/>
+            </a:br>
+            <a:r>
+              <a:rPr lang="en-US" sz="2800" dirty="0"/>
+              <a:t>we are Team 26,</a:t>
+            </a:r>
+            <a:br>
+              <a:rPr lang="en-US" sz="2800" dirty="0"/>
+            </a:br>
+            <a:r>
+              <a:rPr lang="en-US" sz="2800" dirty="0"/>
+              <a:t>Our project: Hot Pot is a Music Sharing App, which supports:</a:t>
+            </a:r>
+            <a:br>
+              <a:rPr lang="en-US" sz="2800" dirty="0"/>
+            </a:br>
+            <a:endParaRPr lang="en-US" sz="2800" dirty="0"/>
+          </a:p>
+        </p:txBody>
+      </p:sp>
+      <p:sp>
+        <p:nvSpPr>
+          <p:cNvPr id="2" name="灯片编号占位符 1">
+            <a:extLst>
+              <a:ext uri="{FF2B5EF4-FFF2-40B4-BE49-F238E27FC236}">
+                <a16:creationId xmlns:a16="http://schemas.microsoft.com/office/drawing/2014/main" id="{FC46EA50-6B79-45B7-A898-CFEF13F50BC2}"/>
+              </a:ext>
+            </a:extLst>
+          </p:cNvPr>
+          <p:cNvSpPr>
+            <a:spLocks noGrp="1"/>
+          </p:cNvSpPr>
+          <p:nvPr>
+            <p:ph type="sldNum" idx="12"/>
+          </p:nvPr>
+        </p:nvSpPr>
+        <p:spPr/>
+        <p:txBody>
+          <a:bodyPr/>
+          <a:lstStyle/>
+          <a:p>
+            <a:pPr marL="0" lvl="0" indent="0" algn="ctr" rtl="0">
+              <a:spcBef>
+                <a:spcPts val="0"/>
+              </a:spcBef>
+              <a:spcAft>
+                <a:spcPts val="0"/>
+              </a:spcAft>
+              <a:buNone/>
+            </a:pPr>
+            <a:fld id="{00000000-1234-1234-1234-123412341234}" type="slidenum">
+              <a:rPr lang="en" smtClean="0"/>
+              <a:t>12</a:t>
+            </a:fld>
+            <a:endParaRPr lang="en"/>
+          </a:p>
+        </p:txBody>
+      </p:sp>
+      <p:sp>
+        <p:nvSpPr>
+          <p:cNvPr id="4" name="文本框 3">
+            <a:extLst>
+              <a:ext uri="{FF2B5EF4-FFF2-40B4-BE49-F238E27FC236}">
+                <a16:creationId xmlns:a16="http://schemas.microsoft.com/office/drawing/2014/main" id="{D6EFDB98-6220-4806-857C-AFAB5764DADB}"/>
+              </a:ext>
+            </a:extLst>
+          </p:cNvPr>
+          <p:cNvSpPr txBox="1"/>
+          <p:nvPr/>
+        </p:nvSpPr>
+        <p:spPr>
+          <a:xfrm>
+            <a:off x="815340" y="2647868"/>
+            <a:ext cx="4747260" cy="1890389"/>
+          </a:xfrm>
+          <a:prstGeom prst="rect">
+            <a:avLst/>
+          </a:prstGeom>
+          <a:noFill/>
+        </p:spPr>
+        <p:txBody>
+          <a:bodyPr wrap="square" rtlCol="0">
+            <a:spAutoFit/>
+          </a:bodyPr>
+          <a:lstStyle/>
+          <a:p>
+            <a:pPr marL="285750" indent="-285750">
+              <a:lnSpc>
+                <a:spcPct val="150000"/>
+              </a:lnSpc>
+              <a:buFont typeface="Arial" panose="020B0604020202020204" pitchFamily="34" charset="0"/>
+              <a:buChar char="•"/>
+            </a:pPr>
+            <a:r>
+              <a:rPr lang="en-US" sz="1600" dirty="0">
+                <a:solidFill>
+                  <a:schemeClr val="tx1">
+                    <a:lumMod val="50000"/>
+                    <a:lumOff val="50000"/>
+                  </a:schemeClr>
+                </a:solidFill>
+                <a:latin typeface="Lato" panose="020F0502020204030203" pitchFamily="34" charset="0"/>
+              </a:rPr>
+              <a:t>Create a room and invite people</a:t>
+            </a:r>
+          </a:p>
+          <a:p>
+            <a:pPr marL="285750" indent="-285750">
+              <a:lnSpc>
+                <a:spcPct val="150000"/>
+              </a:lnSpc>
+              <a:buFont typeface="Arial" panose="020B0604020202020204" pitchFamily="34" charset="0"/>
+              <a:buChar char="•"/>
+            </a:pPr>
+            <a:r>
+              <a:rPr lang="en-US" sz="1600" dirty="0">
+                <a:solidFill>
+                  <a:schemeClr val="tx1">
+                    <a:lumMod val="50000"/>
+                    <a:lumOff val="50000"/>
+                  </a:schemeClr>
+                </a:solidFill>
+                <a:latin typeface="Lato" panose="020F0502020204030203" pitchFamily="34" charset="0"/>
+              </a:rPr>
+              <a:t>Share Spotify Playlist in real time</a:t>
+            </a:r>
+          </a:p>
+          <a:p>
+            <a:pPr marL="285750" indent="-285750">
+              <a:lnSpc>
+                <a:spcPct val="150000"/>
+              </a:lnSpc>
+              <a:buFont typeface="Arial" panose="020B0604020202020204" pitchFamily="34" charset="0"/>
+              <a:buChar char="•"/>
+            </a:pPr>
+            <a:r>
+              <a:rPr lang="en-US" sz="1600" dirty="0">
+                <a:solidFill>
+                  <a:schemeClr val="tx1">
+                    <a:lumMod val="50000"/>
+                    <a:lumOff val="50000"/>
+                  </a:schemeClr>
+                </a:solidFill>
+                <a:latin typeface="Lato" panose="020F0502020204030203" pitchFamily="34" charset="0"/>
+              </a:rPr>
+              <a:t>Connect businesses with Hot Pot rooms so customers can vote for what songs are played</a:t>
+            </a:r>
+          </a:p>
+          <a:p>
+            <a:pPr>
+              <a:lnSpc>
+                <a:spcPct val="150000"/>
+              </a:lnSpc>
+            </a:pPr>
+            <a:endParaRPr lang="en-US" sz="1600" dirty="0">
+              <a:solidFill>
+                <a:schemeClr val="tx1">
+                  <a:lumMod val="50000"/>
+                  <a:lumOff val="50000"/>
+                </a:schemeClr>
+              </a:solidFill>
+              <a:latin typeface="Lato" panose="020F0502020204030203" pitchFamily="34" charset="0"/>
+            </a:endParaRPr>
+          </a:p>
+        </p:txBody>
+      </p:sp>
+    </p:spTree>
+    <p:extLst>
+      <p:ext uri="{BB962C8B-B14F-4D97-AF65-F5344CB8AC3E}">
+        <p14:creationId xmlns:p14="http://schemas.microsoft.com/office/powerpoint/2010/main" val="3602952226"/>
+      </p:ext>
+    </p:extLst>
+  </p:cSld>
+  <p:clrMapOvr>
+    <a:masterClrMapping/>
+  </p:clrMapOvr>
+</p:sld>
+</file>
+
+<file path=ppt/slides/slide13.xml><?xml version="1.0" encoding="utf-8"?>
 <p:sld xmlns:a="http://schemas.openxmlformats.org/drawingml/2006/main" xmlns:r="http://schemas.openxmlformats.org/officeDocument/2006/relationships" xmlns:p="http://schemas.openxmlformats.org/presentationml/2006/main">
   <p:cSld>
     <p:bg>
@@ -7274,7 +7590,7 @@
             </a:pPr>
             <a:fld id="{00000000-1234-1234-1234-123412341234}" type="slidenum">
               <a:rPr lang="en"/>
-              <a:t>12</a:t>
+              <a:t>13</a:t>
             </a:fld>
             <a:endParaRPr/>
           </a:p>
@@ -9284,8 +9600,23 @@
                 </a:solidFill>
                 <a:latin typeface="Lato Light" panose="020B0604020202020204" charset="0"/>
               </a:rPr>
-              <a:t>Play the Playlist in order</a:t>
+              <a:t>P</a:t>
             </a:r>
+            <a:r>
+              <a:rPr lang="en-US" altLang="zh-CN" dirty="0">
+                <a:solidFill>
+                  <a:schemeClr val="tx1"/>
+                </a:solidFill>
+                <a:latin typeface="Lato Light" panose="020B0604020202020204" charset="0"/>
+              </a:rPr>
+              <a:t>lay Spotify Music on Web app</a:t>
+            </a:r>
+            <a:endParaRPr lang="en-US" dirty="0">
+              <a:solidFill>
+                <a:schemeClr val="tx1"/>
+              </a:solidFill>
+              <a:latin typeface="Lato Light" panose="020B0604020202020204" charset="0"/>
+            </a:endParaRPr>
           </a:p>
         </p:txBody>
       </p:sp>
@@ -11370,8 +11701,23 @@
                 </a:solidFill>
                 <a:latin typeface="Lato Light" panose="020B0604020202020204" charset="0"/>
               </a:rPr>
-              <a:t>Play the Playlist in order</a:t>
+              <a:t>P</a:t>
             </a:r>
+            <a:r>
+              <a:rPr lang="en-US" altLang="zh-CN" dirty="0">
+                <a:solidFill>
+                  <a:schemeClr val="tx1"/>
+                </a:solidFill>
+                <a:latin typeface="Lato Light" panose="020B0604020202020204" charset="0"/>
+              </a:rPr>
+              <a:t>lay Spotify Music on Web app</a:t>
+            </a:r>
+            <a:endParaRPr lang="en-US" dirty="0">
+              <a:solidFill>
+                <a:schemeClr val="tx1"/>
+              </a:solidFill>
+              <a:latin typeface="Lato Light" panose="020B0604020202020204" charset="0"/>
+            </a:endParaRPr>
           </a:p>
         </p:txBody>
       </p:sp>
@@ -13785,6 +14131,84 @@
   <p:clrMapOvr>
     <a:masterClrMapping/>
   </p:clrMapOvr>
+  <p:timing>
+    <p:tnLst>
+      <p:par>
+        <p:cTn id="1" dur="indefinite" restart="never" nodeType="tmRoot">
+          <p:childTnLst>
+            <p:seq concurrent="1" nextAc="seek">
+              <p:cTn id="2" dur="indefinite" nodeType="mainSeq">
+                <p:childTnLst>
+                  <p:par>
+                    <p:cTn id="3" fill="hold">
+                      <p:stCondLst>
+                        <p:cond delay="indefinite"/>
+                        <p:cond evt="onBegin" delay="0">
+                          <p:tn val="2"/>
+                        </p:cond>
+                      </p:stCondLst>
+                      <p:childTnLst>
+                        <p:par>
+                          <p:cTn id="4" fill="hold">
+                            <p:stCondLst>
+                              <p:cond delay="0"/>
+                            </p:stCondLst>
+                            <p:childTnLst>
+                              <p:par>
+                                <p:cTn id="5" presetID="1" presetClass="entr" presetSubtype="0" fill="hold" nodeType="withEffect">
+                                  <p:stCondLst>
+                                    <p:cond delay="0"/>
+                                  </p:stCondLst>
+                                  <p:childTnLst>
+                                    <p:set>
+                                      <p:cBhvr>
+                                        <p:cTn id="6" dur="1" fill="hold">
+                                          <p:stCondLst>
+                                            <p:cond delay="0"/>
+                                          </p:stCondLst>
+                                        </p:cTn>
+                                        <p:tgtEl>
+                                          <p:spTgt spid="4"/>
+                                        </p:tgtEl>
+                                        <p:attrNameLst>
+                                          <p:attrName>style.visibility</p:attrName>
+                                        </p:attrNameLst>
+                                      </p:cBhvr>
+                                      <p:to>
+                                        <p:strVal val="visible"/>
+                                      </p:to>
+                                    </p:set>
+                                  </p:childTnLst>
+                                </p:cTn>
+                              </p:par>
+                            </p:childTnLst>
+                          </p:cTn>
+                        </p:par>
+                      </p:childTnLst>
+                    </p:cTn>
+                  </p:par>
+                </p:childTnLst>
+              </p:cTn>
+              <p:prevCondLst>
+                <p:cond evt="onPrev" delay="0">
+                  <p:tgtEl>
+                    <p:sldTgt/>
+                  </p:tgtEl>
+                </p:cond>
+              </p:prevCondLst>
+              <p:nextCondLst>
+                <p:cond evt="onNext" delay="0">
+                  <p:tgtEl>
+                    <p:sldTgt/>
+                  </p:tgtEl>
+                </p:cond>
+              </p:nextCondLst>
+            </p:seq>
+          </p:childTnLst>
+        </p:cTn>
+      </p:par>
+    </p:tnLst>
+  </p:timing>
 </p:sld>
 </file>
 
